--- a/v1.0-202140090-홍기현-기말 프로젝트.pptx
+++ b/v1.0-202140090-홍기현-기말 프로젝트.pptx
@@ -269,7 +269,7 @@
           <a:p>
             <a:fld id="{82B5AC5D-48E5-4846-B6E0-71180DD803F1}" type="datetimeFigureOut">
               <a:rPr lang="ko-KR" altLang="en-US" smtClean="0"/>
-              <a:t>2021-05-31</a:t>
+              <a:t>2021-06-02</a:t>
             </a:fld>
             <a:endParaRPr lang="ko-KR" altLang="en-US"/>
           </a:p>
@@ -683,7 +683,7 @@
           <a:p>
             <a:fld id="{76FC1CBD-939D-4C85-82EC-E8BD546A9838}" type="datetime1">
               <a:rPr lang="ko-KR" altLang="en-US" smtClean="0"/>
-              <a:t>2021-05-31</a:t>
+              <a:t>2021-06-02</a:t>
             </a:fld>
             <a:endParaRPr lang="ko-KR" altLang="en-US"/>
           </a:p>
@@ -1057,7 +1057,7 @@
           <a:p>
             <a:fld id="{C7CF46F3-039A-4027-8ADC-E876334D82D6}" type="datetime1">
               <a:rPr lang="ko-KR" altLang="en-US" smtClean="0"/>
-              <a:t>2021-05-31</a:t>
+              <a:t>2021-06-02</a:t>
             </a:fld>
             <a:endParaRPr lang="ko-KR" altLang="en-US"/>
           </a:p>
@@ -1265,7 +1265,7 @@
           <a:p>
             <a:fld id="{344F9571-86A5-4DB3-9E8D-0389BC317874}" type="datetime1">
               <a:rPr lang="ko-KR" altLang="en-US" smtClean="0"/>
-              <a:t>2021-05-31</a:t>
+              <a:t>2021-06-02</a:t>
             </a:fld>
             <a:endParaRPr lang="ko-KR" altLang="en-US"/>
           </a:p>
@@ -1481,7 +1481,7 @@
           <a:p>
             <a:fld id="{0510BA8F-7791-4AE3-846C-BB7A6A7CFC97}" type="datetime1">
               <a:rPr lang="ko-KR" altLang="en-US" smtClean="0"/>
-              <a:t>2021-05-31</a:t>
+              <a:t>2021-06-02</a:t>
             </a:fld>
             <a:endParaRPr lang="ko-KR" altLang="en-US"/>
           </a:p>
@@ -1834,7 +1834,7 @@
           <a:p>
             <a:fld id="{19AF01D8-1017-4307-B2F9-6F016649E71E}" type="datetime1">
               <a:rPr lang="ko-KR" altLang="en-US" smtClean="0"/>
-              <a:t>2021-05-31</a:t>
+              <a:t>2021-06-02</a:t>
             </a:fld>
             <a:endParaRPr lang="ko-KR" altLang="en-US"/>
           </a:p>
@@ -2099,7 +2099,7 @@
           <a:p>
             <a:fld id="{8EEE3E33-9027-4F17-A93F-877E7C70E91F}" type="datetime1">
               <a:rPr lang="ko-KR" altLang="en-US" smtClean="0"/>
-              <a:t>2021-05-31</a:t>
+              <a:t>2021-06-02</a:t>
             </a:fld>
             <a:endParaRPr lang="ko-KR" altLang="en-US"/>
           </a:p>
@@ -2511,7 +2511,7 @@
           <a:p>
             <a:fld id="{1C0EF971-C917-450F-A986-E5976B3D5356}" type="datetime1">
               <a:rPr lang="ko-KR" altLang="en-US" smtClean="0"/>
-              <a:t>2021-05-31</a:t>
+              <a:t>2021-06-02</a:t>
             </a:fld>
             <a:endParaRPr lang="ko-KR" altLang="en-US"/>
           </a:p>
@@ -2624,7 +2624,7 @@
           <a:p>
             <a:fld id="{CB4B4B12-603C-43A6-9EF9-8AC2C3B10188}" type="datetime1">
               <a:rPr lang="ko-KR" altLang="en-US" smtClean="0"/>
-              <a:t>2021-05-31</a:t>
+              <a:t>2021-06-02</a:t>
             </a:fld>
             <a:endParaRPr lang="ko-KR" altLang="en-US"/>
           </a:p>
@@ -3019,7 +3019,7 @@
           <a:p>
             <a:fld id="{9DAC53E9-1AB1-47B3-A5A7-C5A4DAD9D297}" type="datetime1">
               <a:rPr lang="ko-KR" altLang="en-US" smtClean="0"/>
-              <a:t>2021-05-31</a:t>
+              <a:t>2021-06-02</a:t>
             </a:fld>
             <a:endParaRPr lang="ko-KR" altLang="en-US"/>
           </a:p>
@@ -3330,7 +3330,7 @@
           <a:p>
             <a:fld id="{EB058E1F-969D-4ADD-88F8-3FFB5FB5A1C5}" type="datetime1">
               <a:rPr lang="ko-KR" altLang="en-US" smtClean="0"/>
-              <a:t>2021-05-31</a:t>
+              <a:t>2021-06-02</a:t>
             </a:fld>
             <a:endParaRPr lang="ko-KR" altLang="en-US"/>
           </a:p>
@@ -3618,7 +3618,7 @@
           <a:p>
             <a:fld id="{F1A887A9-46E9-496B-8766-83B8C1E940E3}" type="datetime1">
               <a:rPr lang="ko-KR" altLang="en-US" smtClean="0"/>
-              <a:t>2021-05-31</a:t>
+              <a:t>2021-06-02</a:t>
             </a:fld>
             <a:endParaRPr lang="ko-KR" altLang="en-US"/>
           </a:p>
@@ -3859,7 +3859,7 @@
           <a:p>
             <a:fld id="{DB272F0E-A27F-4121-90FF-7149369A7818}" type="datetime1">
               <a:rPr lang="ko-KR" altLang="en-US" smtClean="0"/>
-              <a:t>2021-05-31</a:t>
+              <a:t>2021-06-02</a:t>
             </a:fld>
             <a:endParaRPr lang="ko-KR" altLang="en-US"/>
           </a:p>
@@ -4859,7 +4859,7 @@
         <p:spPr>
           <a:xfrm>
             <a:off x="598179" y="1020288"/>
-            <a:ext cx="10995642" cy="1626086"/>
+            <a:ext cx="10995642" cy="2221121"/>
           </a:xfrm>
           <a:prstGeom prst="rect">
             <a:avLst/>
@@ -5206,6 +5206,150 @@
               <a:sym typeface="Wingdings 2" panose="05020102010507070707" pitchFamily="18" charset="2"/>
             </a:endParaRPr>
           </a:p>
+          <a:p>
+            <a:pPr>
+              <a:spcBef>
+                <a:spcPts val="200"/>
+              </a:spcBef>
+              <a:spcAft>
+                <a:spcPts val="200"/>
+              </a:spcAft>
+            </a:pPr>
+            <a:r>
+              <a:rPr lang="en-US" altLang="ko-KR" sz="1600">
+                <a:solidFill>
+                  <a:schemeClr val="tx1">
+                    <a:lumMod val="65000"/>
+                    <a:lumOff val="35000"/>
+                  </a:schemeClr>
+                </a:solidFill>
+                <a:latin typeface="경기천년제목 Light" panose="02020403020101020101" pitchFamily="18" charset="-127"/>
+                <a:ea typeface="경기천년제목 Light" panose="02020403020101020101" pitchFamily="18" charset="-127"/>
+                <a:sym typeface="Wingdings 2" panose="05020102010507070707" pitchFamily="18" charset="2"/>
+              </a:rPr>
+              <a:t>       - </a:t>
+            </a:r>
+            <a:r>
+              <a:rPr lang="ko-KR" altLang="en-US" sz="1600">
+                <a:solidFill>
+                  <a:schemeClr val="tx1">
+                    <a:lumMod val="65000"/>
+                    <a:lumOff val="35000"/>
+                  </a:schemeClr>
+                </a:solidFill>
+                <a:latin typeface="경기천년제목 Light" panose="02020403020101020101" pitchFamily="18" charset="-127"/>
+                <a:ea typeface="경기천년제목 Light" panose="02020403020101020101" pitchFamily="18" charset="-127"/>
+                <a:sym typeface="Wingdings 2" panose="05020102010507070707" pitchFamily="18" charset="2"/>
+              </a:rPr>
+              <a:t>구현 코드</a:t>
+            </a:r>
+            <a:r>
+              <a:rPr lang="en-US" altLang="ko-KR" sz="1600">
+                <a:solidFill>
+                  <a:schemeClr val="tx1">
+                    <a:lumMod val="65000"/>
+                    <a:lumOff val="35000"/>
+                  </a:schemeClr>
+                </a:solidFill>
+                <a:latin typeface="경기천년제목 Light" panose="02020403020101020101" pitchFamily="18" charset="-127"/>
+                <a:ea typeface="경기천년제목 Light" panose="02020403020101020101" pitchFamily="18" charset="-127"/>
+                <a:sym typeface="Wingdings 2" panose="05020102010507070707" pitchFamily="18" charset="2"/>
+              </a:rPr>
+              <a:t>: </a:t>
+            </a:r>
+            <a:r>
+              <a:rPr lang="en-US" altLang="ko-KR" sz="1600" b="0" i="0" u="none" strike="noStrike">
+                <a:effectLst/>
+                <a:latin typeface="경기천년제목 Light" panose="02020403020101020101" pitchFamily="18" charset="-127"/>
+                <a:ea typeface="경기천년제목 Light" panose="02020403020101020101" pitchFamily="18" charset="-127"/>
+                <a:hlinkClick r:id="rId2" tooltip="3. v0.2-existingDQN model.html"/>
+              </a:rPr>
+              <a:t>3. v0.2-existingDQN model.html</a:t>
+            </a:r>
+            <a:endParaRPr lang="en-US" altLang="ko-KR" sz="1600">
+              <a:solidFill>
+                <a:schemeClr val="tx1">
+                  <a:lumMod val="65000"/>
+                  <a:lumOff val="35000"/>
+                </a:schemeClr>
+              </a:solidFill>
+              <a:latin typeface="경기천년제목 Light" panose="02020403020101020101" pitchFamily="18" charset="-127"/>
+              <a:ea typeface="경기천년제목 Light" panose="02020403020101020101" pitchFamily="18" charset="-127"/>
+              <a:sym typeface="Wingdings 2" panose="05020102010507070707" pitchFamily="18" charset="2"/>
+            </a:endParaRPr>
+          </a:p>
+          <a:p>
+            <a:pPr>
+              <a:spcBef>
+                <a:spcPts val="200"/>
+              </a:spcBef>
+              <a:spcAft>
+                <a:spcPts val="200"/>
+              </a:spcAft>
+            </a:pPr>
+            <a:r>
+              <a:rPr lang="en-US" altLang="ko-KR" sz="1600">
+                <a:solidFill>
+                  <a:schemeClr val="tx1">
+                    <a:lumMod val="65000"/>
+                    <a:lumOff val="35000"/>
+                  </a:schemeClr>
+                </a:solidFill>
+                <a:latin typeface="경기천년제목 Light" panose="02020403020101020101" pitchFamily="18" charset="-127"/>
+                <a:ea typeface="경기천년제목 Light" panose="02020403020101020101" pitchFamily="18" charset="-127"/>
+                <a:sym typeface="Wingdings 2" panose="05020102010507070707" pitchFamily="18" charset="2"/>
+              </a:rPr>
+              <a:t>       - </a:t>
+            </a:r>
+            <a:r>
+              <a:rPr lang="ko-KR" altLang="en-US" sz="1600">
+                <a:solidFill>
+                  <a:schemeClr val="tx1">
+                    <a:lumMod val="65000"/>
+                    <a:lumOff val="35000"/>
+                  </a:schemeClr>
+                </a:solidFill>
+                <a:latin typeface="경기천년제목 Light" panose="02020403020101020101" pitchFamily="18" charset="-127"/>
+                <a:ea typeface="경기천년제목 Light" panose="02020403020101020101" pitchFamily="18" charset="-127"/>
+                <a:sym typeface="Wingdings 2" panose="05020102010507070707" pitchFamily="18" charset="2"/>
+              </a:rPr>
+              <a:t>실행 영상</a:t>
+            </a:r>
+            <a:r>
+              <a:rPr lang="en-US" altLang="ko-KR" sz="1600">
+                <a:solidFill>
+                  <a:schemeClr val="tx1">
+                    <a:lumMod val="65000"/>
+                    <a:lumOff val="35000"/>
+                  </a:schemeClr>
+                </a:solidFill>
+                <a:latin typeface="경기천년제목 Light" panose="02020403020101020101" pitchFamily="18" charset="-127"/>
+                <a:ea typeface="경기천년제목 Light" panose="02020403020101020101" pitchFamily="18" charset="-127"/>
+                <a:sym typeface="Wingdings 2" panose="05020102010507070707" pitchFamily="18" charset="2"/>
+              </a:rPr>
+              <a:t>: </a:t>
+            </a:r>
+            <a:r>
+              <a:rPr lang="en-US" altLang="ko-KR" sz="1600" b="0" i="0" u="none" strike="noStrike">
+                <a:effectLst/>
+                <a:latin typeface="경기천년제목 Light" panose="02020403020101020101" pitchFamily="18" charset="-127"/>
+                <a:ea typeface="경기천년제목 Light" panose="02020403020101020101" pitchFamily="18" charset="-127"/>
+                <a:hlinkClick r:id="rId3" tooltip="3. v0.2-existingDQN model.mp4"/>
+              </a:rPr>
+              <a:t>3. v0.2-existingDQN model.mp4</a:t>
+            </a:r>
+            <a:endParaRPr lang="en-US" altLang="ko-KR" sz="1600">
+              <a:solidFill>
+                <a:schemeClr val="tx1">
+                  <a:lumMod val="65000"/>
+                  <a:lumOff val="35000"/>
+                </a:schemeClr>
+              </a:solidFill>
+              <a:latin typeface="경기천년제목 Light" panose="02020403020101020101" pitchFamily="18" charset="-127"/>
+              <a:ea typeface="경기천년제목 Light" panose="02020403020101020101" pitchFamily="18" charset="-127"/>
+              <a:sym typeface="Wingdings 2" panose="05020102010507070707" pitchFamily="18" charset="2"/>
+            </a:endParaRPr>
+          </a:p>
         </p:txBody>
       </p:sp>
       <p:pic>
@@ -5223,14 +5367,14 @@
           <p:nvPr/>
         </p:nvPicPr>
         <p:blipFill>
-          <a:blip r:embed="rId2"/>
+          <a:blip r:embed="rId4"/>
           <a:stretch>
             <a:fillRect/>
           </a:stretch>
         </p:blipFill>
         <p:spPr>
           <a:xfrm>
-            <a:off x="867454" y="3118757"/>
+            <a:off x="867454" y="3526972"/>
             <a:ext cx="4645382" cy="2963636"/>
           </a:xfrm>
           <a:prstGeom prst="rect">
@@ -5253,14 +5397,14 @@
           <p:nvPr/>
         </p:nvPicPr>
         <p:blipFill>
-          <a:blip r:embed="rId3"/>
+          <a:blip r:embed="rId5"/>
           <a:stretch>
             <a:fillRect/>
           </a:stretch>
         </p:blipFill>
         <p:spPr>
           <a:xfrm>
-            <a:off x="6679166" y="3263280"/>
+            <a:off x="6679166" y="3671495"/>
             <a:ext cx="4263331" cy="2819113"/>
           </a:xfrm>
           <a:prstGeom prst="rect">
@@ -5832,7 +5976,7 @@
         </p:blipFill>
         <p:spPr>
           <a:xfrm>
-            <a:off x="1180675" y="3041297"/>
+            <a:off x="1180675" y="3188258"/>
             <a:ext cx="4333050" cy="2940284"/>
           </a:xfrm>
           <a:prstGeom prst="rect">
@@ -5862,7 +6006,7 @@
         </p:blipFill>
         <p:spPr>
           <a:xfrm>
-            <a:off x="6455229" y="3099482"/>
+            <a:off x="6455229" y="3246443"/>
             <a:ext cx="4333050" cy="2823914"/>
           </a:xfrm>
           <a:prstGeom prst="rect">
@@ -10257,7 +10401,7 @@
         <p:spPr>
           <a:xfrm>
             <a:off x="598179" y="1020288"/>
-            <a:ext cx="10995642" cy="1328569"/>
+            <a:ext cx="10995642" cy="1923604"/>
           </a:xfrm>
           <a:prstGeom prst="rect">
             <a:avLst/>
@@ -10527,6 +10671,184 @@
               <a:sym typeface="Wingdings 2" panose="05020102010507070707" pitchFamily="18" charset="2"/>
             </a:endParaRPr>
           </a:p>
+          <a:p>
+            <a:pPr>
+              <a:spcBef>
+                <a:spcPts val="200"/>
+              </a:spcBef>
+              <a:spcAft>
+                <a:spcPts val="200"/>
+              </a:spcAft>
+            </a:pPr>
+            <a:r>
+              <a:rPr lang="en-US" altLang="ko-KR" sz="1600">
+                <a:solidFill>
+                  <a:schemeClr val="tx1">
+                    <a:lumMod val="65000"/>
+                    <a:lumOff val="35000"/>
+                  </a:schemeClr>
+                </a:solidFill>
+                <a:latin typeface="경기천년제목 Light" panose="02020403020101020101" pitchFamily="18" charset="-127"/>
+                <a:ea typeface="경기천년제목 Light" panose="02020403020101020101" pitchFamily="18" charset="-127"/>
+                <a:sym typeface="Wingdings 2" panose="05020102010507070707" pitchFamily="18" charset="2"/>
+              </a:rPr>
+              <a:t>       - </a:t>
+            </a:r>
+            <a:r>
+              <a:rPr lang="ko-KR" altLang="en-US" sz="1600">
+                <a:solidFill>
+                  <a:schemeClr val="tx1">
+                    <a:lumMod val="65000"/>
+                    <a:lumOff val="35000"/>
+                  </a:schemeClr>
+                </a:solidFill>
+                <a:latin typeface="경기천년제목 Light" panose="02020403020101020101" pitchFamily="18" charset="-127"/>
+                <a:ea typeface="경기천년제목 Light" panose="02020403020101020101" pitchFamily="18" charset="-127"/>
+                <a:sym typeface="Wingdings 2" panose="05020102010507070707" pitchFamily="18" charset="2"/>
+              </a:rPr>
+              <a:t>구현 코드</a:t>
+            </a:r>
+            <a:r>
+              <a:rPr lang="en-US" altLang="ko-KR" sz="1600">
+                <a:solidFill>
+                  <a:schemeClr val="tx1">
+                    <a:lumMod val="65000"/>
+                    <a:lumOff val="35000"/>
+                  </a:schemeClr>
+                </a:solidFill>
+                <a:latin typeface="경기천년제목 Light" panose="02020403020101020101" pitchFamily="18" charset="-127"/>
+                <a:ea typeface="경기천년제목 Light" panose="02020403020101020101" pitchFamily="18" charset="-127"/>
+                <a:sym typeface="Wingdings 2" panose="05020102010507070707" pitchFamily="18" charset="2"/>
+              </a:rPr>
+              <a:t>: </a:t>
+            </a:r>
+            <a:r>
+              <a:rPr lang="en-US" altLang="ko-KR" sz="1600" b="0" i="0" u="none" strike="noStrike">
+                <a:effectLst/>
+                <a:latin typeface="경기천년제목 Light" panose="02020403020101020101" pitchFamily="18" charset="-127"/>
+                <a:ea typeface="경기천년제목 Light" panose="02020403020101020101" pitchFamily="18" charset="-127"/>
+                <a:hlinkClick r:id="rId2" tooltip="4. v0.3-DQM model.html"/>
+              </a:rPr>
+              <a:t>4. v0.3-DQM model.html</a:t>
+            </a:r>
+            <a:r>
+              <a:rPr lang="en-US" altLang="ko-KR" sz="1600" b="0" i="0" u="none" strike="noStrike">
+                <a:effectLst/>
+                <a:latin typeface="경기천년제목 Light" panose="02020403020101020101" pitchFamily="18" charset="-127"/>
+                <a:ea typeface="경기천년제목 Light" panose="02020403020101020101" pitchFamily="18" charset="-127"/>
+              </a:rPr>
+              <a:t>     </a:t>
+            </a:r>
+            <a:r>
+              <a:rPr lang="en-US" altLang="ko-KR" sz="1600" b="0" i="0" u="none" strike="noStrike">
+                <a:effectLst/>
+                <a:latin typeface="경기천년제목 Light" panose="02020403020101020101" pitchFamily="18" charset="-127"/>
+                <a:ea typeface="경기천년제목 Light" panose="02020403020101020101" pitchFamily="18" charset="-127"/>
+                <a:hlinkClick r:id="rId3" tooltip="5. v1.0-DQN model.html"/>
+              </a:rPr>
+              <a:t>5. v1.0-DQN model.html</a:t>
+            </a:r>
+            <a:endParaRPr lang="en-US" altLang="ko-KR" sz="1600">
+              <a:solidFill>
+                <a:schemeClr val="tx1">
+                  <a:lumMod val="65000"/>
+                  <a:lumOff val="35000"/>
+                </a:schemeClr>
+              </a:solidFill>
+              <a:latin typeface="경기천년제목 Light" panose="02020403020101020101" pitchFamily="18" charset="-127"/>
+              <a:ea typeface="경기천년제목 Light" panose="02020403020101020101" pitchFamily="18" charset="-127"/>
+              <a:sym typeface="Wingdings 2" panose="05020102010507070707" pitchFamily="18" charset="2"/>
+            </a:endParaRPr>
+          </a:p>
+          <a:p>
+            <a:pPr>
+              <a:spcBef>
+                <a:spcPts val="200"/>
+              </a:spcBef>
+              <a:spcAft>
+                <a:spcPts val="200"/>
+              </a:spcAft>
+            </a:pPr>
+            <a:r>
+              <a:rPr lang="en-US" altLang="ko-KR" sz="1600">
+                <a:solidFill>
+                  <a:schemeClr val="tx1">
+                    <a:lumMod val="65000"/>
+                    <a:lumOff val="35000"/>
+                  </a:schemeClr>
+                </a:solidFill>
+                <a:latin typeface="경기천년제목 Light" panose="02020403020101020101" pitchFamily="18" charset="-127"/>
+                <a:ea typeface="경기천년제목 Light" panose="02020403020101020101" pitchFamily="18" charset="-127"/>
+                <a:sym typeface="Wingdings 2" panose="05020102010507070707" pitchFamily="18" charset="2"/>
+              </a:rPr>
+              <a:t>       - </a:t>
+            </a:r>
+            <a:r>
+              <a:rPr lang="ko-KR" altLang="en-US" sz="1600">
+                <a:solidFill>
+                  <a:schemeClr val="tx1">
+                    <a:lumMod val="65000"/>
+                    <a:lumOff val="35000"/>
+                  </a:schemeClr>
+                </a:solidFill>
+                <a:latin typeface="경기천년제목 Light" panose="02020403020101020101" pitchFamily="18" charset="-127"/>
+                <a:ea typeface="경기천년제목 Light" panose="02020403020101020101" pitchFamily="18" charset="-127"/>
+                <a:sym typeface="Wingdings 2" panose="05020102010507070707" pitchFamily="18" charset="2"/>
+              </a:rPr>
+              <a:t>실행 영상</a:t>
+            </a:r>
+            <a:r>
+              <a:rPr lang="en-US" altLang="ko-KR" sz="1600">
+                <a:solidFill>
+                  <a:schemeClr val="tx1">
+                    <a:lumMod val="65000"/>
+                    <a:lumOff val="35000"/>
+                  </a:schemeClr>
+                </a:solidFill>
+                <a:latin typeface="경기천년제목 Light" panose="02020403020101020101" pitchFamily="18" charset="-127"/>
+                <a:ea typeface="경기천년제목 Light" panose="02020403020101020101" pitchFamily="18" charset="-127"/>
+                <a:sym typeface="Wingdings 2" panose="05020102010507070707" pitchFamily="18" charset="2"/>
+              </a:rPr>
+              <a:t>: </a:t>
+            </a:r>
+            <a:r>
+              <a:rPr lang="en-US" altLang="ko-KR" sz="1600" b="0" i="0" u="none" strike="noStrike">
+                <a:effectLst/>
+                <a:latin typeface="경기천년제목 Light" panose="02020403020101020101" pitchFamily="18" charset="-127"/>
+                <a:ea typeface="경기천년제목 Light" panose="02020403020101020101" pitchFamily="18" charset="-127"/>
+                <a:hlinkClick r:id="rId4" tooltip="4. v0.3-DQM model.mp4"/>
+              </a:rPr>
+              <a:t>4. v0.3-DQM model.mp4</a:t>
+            </a:r>
+            <a:r>
+              <a:rPr lang="en-US" altLang="ko-KR" sz="1600" b="0" i="0" u="none" strike="noStrike">
+                <a:effectLst/>
+                <a:latin typeface="경기천년제목 Light" panose="02020403020101020101" pitchFamily="18" charset="-127"/>
+                <a:ea typeface="경기천년제목 Light" panose="02020403020101020101" pitchFamily="18" charset="-127"/>
+              </a:rPr>
+              <a:t>     </a:t>
+            </a:r>
+            <a:r>
+              <a:rPr lang="en-US" altLang="ko-KR" sz="1600" b="0" i="0" u="none" strike="noStrike">
+                <a:effectLst/>
+                <a:latin typeface="경기천년제목 Light" panose="02020403020101020101" pitchFamily="18" charset="-127"/>
+                <a:ea typeface="경기천년제목 Light" panose="02020403020101020101" pitchFamily="18" charset="-127"/>
+                <a:hlinkClick r:id="rId5" tooltip="5. v1.0-DQN model.mp4"/>
+              </a:rPr>
+              <a:t>5. v1.0-DQN model.mp4</a:t>
+            </a:r>
+            <a:endParaRPr lang="en-US" altLang="ko-KR" sz="1600">
+              <a:solidFill>
+                <a:schemeClr val="tx1">
+                  <a:lumMod val="65000"/>
+                  <a:lumOff val="35000"/>
+                </a:schemeClr>
+              </a:solidFill>
+              <a:latin typeface="경기천년제목 Light" panose="02020403020101020101" pitchFamily="18" charset="-127"/>
+              <a:ea typeface="경기천년제목 Light" panose="02020403020101020101" pitchFamily="18" charset="-127"/>
+              <a:sym typeface="Wingdings 2" panose="05020102010507070707" pitchFamily="18" charset="2"/>
+            </a:endParaRPr>
+          </a:p>
         </p:txBody>
       </p:sp>
       <p:pic>
@@ -10544,15 +10866,15 @@
           <p:nvPr/>
         </p:nvPicPr>
         <p:blipFill>
-          <a:blip r:embed="rId2"/>
+          <a:blip r:embed="rId6"/>
           <a:stretch>
             <a:fillRect/>
           </a:stretch>
         </p:blipFill>
         <p:spPr>
           <a:xfrm>
-            <a:off x="947088" y="2391746"/>
-            <a:ext cx="3118726" cy="2122108"/>
+            <a:off x="1877334" y="3093877"/>
+            <a:ext cx="2505231" cy="1704661"/>
           </a:xfrm>
           <a:prstGeom prst="rect">
             <a:avLst/>
@@ -10574,15 +10896,15 @@
           <p:nvPr/>
         </p:nvPicPr>
         <p:blipFill>
-          <a:blip r:embed="rId3"/>
+          <a:blip r:embed="rId7"/>
           <a:stretch>
             <a:fillRect/>
           </a:stretch>
         </p:blipFill>
         <p:spPr>
           <a:xfrm>
-            <a:off x="5165271" y="2391746"/>
-            <a:ext cx="3118727" cy="2040132"/>
+            <a:off x="5703325" y="3074950"/>
+            <a:ext cx="2580673" cy="1688161"/>
           </a:xfrm>
           <a:prstGeom prst="rect">
             <a:avLst/>
@@ -10603,7 +10925,7 @@
         </p:nvSpPr>
         <p:spPr>
           <a:xfrm>
-            <a:off x="8429016" y="3150202"/>
+            <a:off x="8429016" y="3657420"/>
             <a:ext cx="3377920" cy="523220"/>
           </a:xfrm>
           <a:prstGeom prst="rect">
@@ -10652,15 +10974,15 @@
           <p:nvPr/>
         </p:nvPicPr>
         <p:blipFill>
-          <a:blip r:embed="rId4"/>
+          <a:blip r:embed="rId8"/>
           <a:stretch>
             <a:fillRect/>
           </a:stretch>
         </p:blipFill>
         <p:spPr>
           <a:xfrm>
-            <a:off x="947089" y="4513854"/>
-            <a:ext cx="3118725" cy="2101567"/>
+            <a:off x="1877334" y="4987276"/>
+            <a:ext cx="2505231" cy="1688161"/>
           </a:xfrm>
           <a:prstGeom prst="rect">
             <a:avLst/>
@@ -10682,15 +11004,15 @@
           <p:nvPr/>
         </p:nvPicPr>
         <p:blipFill>
-          <a:blip r:embed="rId5"/>
+          <a:blip r:embed="rId9"/>
           <a:stretch>
             <a:fillRect/>
           </a:stretch>
         </p:blipFill>
         <p:spPr>
           <a:xfrm>
-            <a:off x="5148940" y="4582009"/>
-            <a:ext cx="3118725" cy="2043586"/>
+            <a:off x="5707689" y="4987276"/>
+            <a:ext cx="2576309" cy="1688161"/>
           </a:xfrm>
           <a:prstGeom prst="rect">
             <a:avLst/>
@@ -10711,7 +11033,7 @@
         </p:nvSpPr>
         <p:spPr>
           <a:xfrm>
-            <a:off x="8429016" y="5342192"/>
+            <a:off x="8429016" y="5489203"/>
             <a:ext cx="3377920" cy="523220"/>
           </a:xfrm>
           <a:prstGeom prst="rect">
@@ -11309,7 +11631,7 @@
         </p:blipFill>
         <p:spPr>
           <a:xfrm>
-            <a:off x="1059315" y="2962854"/>
+            <a:off x="1059315" y="3354742"/>
             <a:ext cx="4231142" cy="2874858"/>
           </a:xfrm>
           <a:prstGeom prst="rect">
@@ -11339,7 +11661,7 @@
         </p:blipFill>
         <p:spPr>
           <a:xfrm>
-            <a:off x="6536870" y="2962854"/>
+            <a:off x="6536870" y="3354742"/>
             <a:ext cx="4231141" cy="2753600"/>
           </a:xfrm>
           <a:prstGeom prst="rect">
@@ -11540,7 +11862,7 @@
         <p:spPr>
           <a:xfrm>
             <a:off x="598179" y="1020288"/>
-            <a:ext cx="10995642" cy="1328569"/>
+            <a:ext cx="10995642" cy="1923604"/>
           </a:xfrm>
           <a:prstGeom prst="rect">
             <a:avLst/>
@@ -11810,6 +12132,150 @@
               <a:sym typeface="Wingdings 2" panose="05020102010507070707" pitchFamily="18" charset="2"/>
             </a:endParaRPr>
           </a:p>
+          <a:p>
+            <a:pPr>
+              <a:spcBef>
+                <a:spcPts val="200"/>
+              </a:spcBef>
+              <a:spcAft>
+                <a:spcPts val="200"/>
+              </a:spcAft>
+            </a:pPr>
+            <a:r>
+              <a:rPr lang="en-US" altLang="ko-KR" sz="1600">
+                <a:solidFill>
+                  <a:schemeClr val="tx1">
+                    <a:lumMod val="65000"/>
+                    <a:lumOff val="35000"/>
+                  </a:schemeClr>
+                </a:solidFill>
+                <a:latin typeface="경기천년제목 Light" panose="02020403020101020101" pitchFamily="18" charset="-127"/>
+                <a:ea typeface="경기천년제목 Light" panose="02020403020101020101" pitchFamily="18" charset="-127"/>
+                <a:sym typeface="Wingdings 2" panose="05020102010507070707" pitchFamily="18" charset="2"/>
+              </a:rPr>
+              <a:t>       - </a:t>
+            </a:r>
+            <a:r>
+              <a:rPr lang="ko-KR" altLang="en-US" sz="1600">
+                <a:solidFill>
+                  <a:schemeClr val="tx1">
+                    <a:lumMod val="65000"/>
+                    <a:lumOff val="35000"/>
+                  </a:schemeClr>
+                </a:solidFill>
+                <a:latin typeface="경기천년제목 Light" panose="02020403020101020101" pitchFamily="18" charset="-127"/>
+                <a:ea typeface="경기천년제목 Light" panose="02020403020101020101" pitchFamily="18" charset="-127"/>
+                <a:sym typeface="Wingdings 2" panose="05020102010507070707" pitchFamily="18" charset="2"/>
+              </a:rPr>
+              <a:t>구현 코드</a:t>
+            </a:r>
+            <a:r>
+              <a:rPr lang="en-US" altLang="ko-KR" sz="1600">
+                <a:solidFill>
+                  <a:schemeClr val="tx1">
+                    <a:lumMod val="65000"/>
+                    <a:lumOff val="35000"/>
+                  </a:schemeClr>
+                </a:solidFill>
+                <a:latin typeface="경기천년제목 Light" panose="02020403020101020101" pitchFamily="18" charset="-127"/>
+                <a:ea typeface="경기천년제목 Light" panose="02020403020101020101" pitchFamily="18" charset="-127"/>
+                <a:sym typeface="Wingdings 2" panose="05020102010507070707" pitchFamily="18" charset="2"/>
+              </a:rPr>
+              <a:t>: </a:t>
+            </a:r>
+            <a:r>
+              <a:rPr lang="en-US" altLang="ko-KR" sz="1600" b="0" i="0" u="none" strike="noStrike">
+                <a:effectLst/>
+                <a:latin typeface="경기천년제목 Light" panose="02020403020101020101" pitchFamily="18" charset="-127"/>
+                <a:ea typeface="경기천년제목 Light" panose="02020403020101020101" pitchFamily="18" charset="-127"/>
+                <a:hlinkClick r:id="rId2" tooltip="6. TwoTreadDQN model.html"/>
+              </a:rPr>
+              <a:t>6. TwoTreadDQN model.html</a:t>
+            </a:r>
+            <a:endParaRPr lang="en-US" altLang="ko-KR" sz="1600">
+              <a:solidFill>
+                <a:schemeClr val="tx1">
+                  <a:lumMod val="65000"/>
+                  <a:lumOff val="35000"/>
+                </a:schemeClr>
+              </a:solidFill>
+              <a:latin typeface="경기천년제목 Light" panose="02020403020101020101" pitchFamily="18" charset="-127"/>
+              <a:ea typeface="경기천년제목 Light" panose="02020403020101020101" pitchFamily="18" charset="-127"/>
+              <a:sym typeface="Wingdings 2" panose="05020102010507070707" pitchFamily="18" charset="2"/>
+            </a:endParaRPr>
+          </a:p>
+          <a:p>
+            <a:pPr>
+              <a:spcBef>
+                <a:spcPts val="200"/>
+              </a:spcBef>
+              <a:spcAft>
+                <a:spcPts val="200"/>
+              </a:spcAft>
+            </a:pPr>
+            <a:r>
+              <a:rPr lang="en-US" altLang="ko-KR" sz="1600">
+                <a:solidFill>
+                  <a:schemeClr val="tx1">
+                    <a:lumMod val="65000"/>
+                    <a:lumOff val="35000"/>
+                  </a:schemeClr>
+                </a:solidFill>
+                <a:latin typeface="경기천년제목 Light" panose="02020403020101020101" pitchFamily="18" charset="-127"/>
+                <a:ea typeface="경기천년제목 Light" panose="02020403020101020101" pitchFamily="18" charset="-127"/>
+                <a:sym typeface="Wingdings 2" panose="05020102010507070707" pitchFamily="18" charset="2"/>
+              </a:rPr>
+              <a:t>       - </a:t>
+            </a:r>
+            <a:r>
+              <a:rPr lang="ko-KR" altLang="en-US" sz="1600">
+                <a:solidFill>
+                  <a:schemeClr val="tx1">
+                    <a:lumMod val="65000"/>
+                    <a:lumOff val="35000"/>
+                  </a:schemeClr>
+                </a:solidFill>
+                <a:latin typeface="경기천년제목 Light" panose="02020403020101020101" pitchFamily="18" charset="-127"/>
+                <a:ea typeface="경기천년제목 Light" panose="02020403020101020101" pitchFamily="18" charset="-127"/>
+                <a:sym typeface="Wingdings 2" panose="05020102010507070707" pitchFamily="18" charset="2"/>
+              </a:rPr>
+              <a:t>실행 영상</a:t>
+            </a:r>
+            <a:r>
+              <a:rPr lang="en-US" altLang="ko-KR" sz="1600">
+                <a:solidFill>
+                  <a:schemeClr val="tx1">
+                    <a:lumMod val="65000"/>
+                    <a:lumOff val="35000"/>
+                  </a:schemeClr>
+                </a:solidFill>
+                <a:latin typeface="경기천년제목 Light" panose="02020403020101020101" pitchFamily="18" charset="-127"/>
+                <a:ea typeface="경기천년제목 Light" panose="02020403020101020101" pitchFamily="18" charset="-127"/>
+                <a:sym typeface="Wingdings 2" panose="05020102010507070707" pitchFamily="18" charset="2"/>
+              </a:rPr>
+              <a:t>: </a:t>
+            </a:r>
+            <a:r>
+              <a:rPr lang="en-US" altLang="ko-KR" sz="1600" b="0" i="0" u="none" strike="noStrike">
+                <a:effectLst/>
+                <a:latin typeface="경기천년제목 Light" panose="02020403020101020101" pitchFamily="18" charset="-127"/>
+                <a:ea typeface="경기천년제목 Light" panose="02020403020101020101" pitchFamily="18" charset="-127"/>
+                <a:hlinkClick r:id="rId3" tooltip="6. TwoTreadDQN model.mp4"/>
+              </a:rPr>
+              <a:t>6. TwoTreadDQN model.mp4</a:t>
+            </a:r>
+            <a:endParaRPr lang="en-US" altLang="ko-KR" sz="1600">
+              <a:solidFill>
+                <a:schemeClr val="tx1">
+                  <a:lumMod val="65000"/>
+                  <a:lumOff val="35000"/>
+                </a:schemeClr>
+              </a:solidFill>
+              <a:latin typeface="경기천년제목 Light" panose="02020403020101020101" pitchFamily="18" charset="-127"/>
+              <a:ea typeface="경기천년제목 Light" panose="02020403020101020101" pitchFamily="18" charset="-127"/>
+              <a:sym typeface="Wingdings 2" panose="05020102010507070707" pitchFamily="18" charset="2"/>
+            </a:endParaRPr>
+          </a:p>
         </p:txBody>
       </p:sp>
       <p:pic>
@@ -11827,14 +12293,14 @@
           <p:nvPr/>
         </p:nvPicPr>
         <p:blipFill>
-          <a:blip r:embed="rId2"/>
+          <a:blip r:embed="rId4"/>
           <a:stretch>
             <a:fillRect/>
           </a:stretch>
         </p:blipFill>
         <p:spPr>
           <a:xfrm>
-            <a:off x="1592716" y="3452870"/>
+            <a:off x="1592716" y="3844756"/>
             <a:ext cx="3552825" cy="2343150"/>
           </a:xfrm>
           <a:prstGeom prst="rect">
@@ -11857,14 +12323,14 @@
           <p:nvPr/>
         </p:nvPicPr>
         <p:blipFill>
-          <a:blip r:embed="rId3"/>
+          <a:blip r:embed="rId5"/>
           <a:stretch>
             <a:fillRect/>
           </a:stretch>
         </p:blipFill>
         <p:spPr>
           <a:xfrm>
-            <a:off x="6757307" y="3626896"/>
+            <a:off x="6757307" y="4018782"/>
             <a:ext cx="3543300" cy="2333625"/>
           </a:xfrm>
           <a:prstGeom prst="rect">
@@ -15557,7 +16023,7 @@
                 <a:ea typeface="경기천년제목 Light" panose="02020403020101020101" pitchFamily="18" charset="-127"/>
                 <a:sym typeface="Wingdings 2" panose="05020102010507070707" pitchFamily="18" charset="2"/>
               </a:rPr>
-              <a:t>       - Replay memor</a:t>
+              <a:t>       - Replay memory</a:t>
             </a:r>
             <a:r>
               <a:rPr lang="ko-KR" altLang="en-US" sz="1600">
@@ -15718,7 +16184,7 @@
                 <a:ea typeface="경기천년제목 Light" panose="02020403020101020101" pitchFamily="18" charset="-127"/>
                 <a:sym typeface="Wingdings 2" panose="05020102010507070707" pitchFamily="18" charset="2"/>
               </a:rPr>
-              <a:t>replay memor</a:t>
+              <a:t>replay memory</a:t>
             </a:r>
             <a:r>
               <a:rPr lang="ko-KR" altLang="en-US" sz="1600">
@@ -20346,7 +20812,35 @@
                 <a:ea typeface="경기천년제목 Light" panose="02020403020101020101" pitchFamily="18" charset="-127"/>
                 <a:sym typeface="Wingdings 2" panose="05020102010507070707" pitchFamily="18" charset="2"/>
               </a:rPr>
-              <a:t>성능 평가는 큐함수 평균으로 진행</a:t>
+              <a:t>성능 평가는 큐함수 평균과</a:t>
+            </a:r>
+            <a:r>
+              <a:rPr lang="en-US" altLang="ko-KR" sz="1600">
+                <a:solidFill>
+                  <a:schemeClr val="tx1">
+                    <a:lumMod val="65000"/>
+                    <a:lumOff val="35000"/>
+                  </a:schemeClr>
+                </a:solidFill>
+                <a:latin typeface="경기천년제목 Light" panose="02020403020101020101" pitchFamily="18" charset="-127"/>
+                <a:ea typeface="경기천년제목 Light" panose="02020403020101020101" pitchFamily="18" charset="-127"/>
+                <a:sym typeface="Wingdings 2" panose="05020102010507070707" pitchFamily="18" charset="2"/>
+              </a:rPr>
+              <a:t> </a:t>
+            </a:r>
+            <a:r>
+              <a:rPr lang="ko-KR" altLang="en-US" sz="1600">
+                <a:solidFill>
+                  <a:schemeClr val="tx1">
+                    <a:lumMod val="65000"/>
+                    <a:lumOff val="35000"/>
+                  </a:schemeClr>
+                </a:solidFill>
+                <a:latin typeface="경기천년제목 Light" panose="02020403020101020101" pitchFamily="18" charset="-127"/>
+                <a:ea typeface="경기천년제목 Light" panose="02020403020101020101" pitchFamily="18" charset="-127"/>
+                <a:sym typeface="Wingdings 2" panose="05020102010507070707" pitchFamily="18" charset="2"/>
+              </a:rPr>
+              <a:t>최대 점수로 진행</a:t>
             </a:r>
             <a:endParaRPr lang="en-US" altLang="ko-KR" sz="1600">
               <a:solidFill>
@@ -20832,7 +21326,7 @@
         <p:spPr>
           <a:xfrm>
             <a:off x="598179" y="1020288"/>
-            <a:ext cx="10995642" cy="1626086"/>
+            <a:ext cx="10995642" cy="2221121"/>
           </a:xfrm>
           <a:prstGeom prst="rect">
             <a:avLst/>
@@ -21151,6 +21645,150 @@
               <a:sym typeface="Wingdings 2" panose="05020102010507070707" pitchFamily="18" charset="2"/>
             </a:endParaRPr>
           </a:p>
+          <a:p>
+            <a:pPr>
+              <a:spcBef>
+                <a:spcPts val="200"/>
+              </a:spcBef>
+              <a:spcAft>
+                <a:spcPts val="200"/>
+              </a:spcAft>
+            </a:pPr>
+            <a:r>
+              <a:rPr lang="en-US" altLang="ko-KR" sz="1600">
+                <a:solidFill>
+                  <a:schemeClr val="tx1">
+                    <a:lumMod val="65000"/>
+                    <a:lumOff val="35000"/>
+                  </a:schemeClr>
+                </a:solidFill>
+                <a:latin typeface="경기천년제목 Light" panose="02020403020101020101" pitchFamily="18" charset="-127"/>
+                <a:ea typeface="경기천년제목 Light" panose="02020403020101020101" pitchFamily="18" charset="-127"/>
+                <a:sym typeface="Wingdings 2" panose="05020102010507070707" pitchFamily="18" charset="2"/>
+              </a:rPr>
+              <a:t>       - </a:t>
+            </a:r>
+            <a:r>
+              <a:rPr lang="ko-KR" altLang="en-US" sz="1600">
+                <a:solidFill>
+                  <a:schemeClr val="tx1">
+                    <a:lumMod val="65000"/>
+                    <a:lumOff val="35000"/>
+                  </a:schemeClr>
+                </a:solidFill>
+                <a:latin typeface="경기천년제목 Light" panose="02020403020101020101" pitchFamily="18" charset="-127"/>
+                <a:ea typeface="경기천년제목 Light" panose="02020403020101020101" pitchFamily="18" charset="-127"/>
+                <a:sym typeface="Wingdings 2" panose="05020102010507070707" pitchFamily="18" charset="2"/>
+              </a:rPr>
+              <a:t>구현 코드</a:t>
+            </a:r>
+            <a:r>
+              <a:rPr lang="en-US" altLang="ko-KR" sz="1600">
+                <a:solidFill>
+                  <a:schemeClr val="tx1">
+                    <a:lumMod val="65000"/>
+                    <a:lumOff val="35000"/>
+                  </a:schemeClr>
+                </a:solidFill>
+                <a:latin typeface="경기천년제목 Light" panose="02020403020101020101" pitchFamily="18" charset="-127"/>
+                <a:ea typeface="경기천년제목 Light" panose="02020403020101020101" pitchFamily="18" charset="-127"/>
+                <a:sym typeface="Wingdings 2" panose="05020102010507070707" pitchFamily="18" charset="2"/>
+              </a:rPr>
+              <a:t>: </a:t>
+            </a:r>
+            <a:r>
+              <a:rPr lang="en-US" altLang="ko-KR" sz="1600" b="0" i="0" u="none" strike="noStrike">
+                <a:effectLst/>
+                <a:latin typeface="경기천년제목 Light" panose="02020403020101020101" pitchFamily="18" charset="-127"/>
+                <a:ea typeface="경기천년제목 Light" panose="02020403020101020101" pitchFamily="18" charset="-127"/>
+                <a:hlinkClick r:id="rId2" tooltip="1. v0.1-DQN model.html"/>
+              </a:rPr>
+              <a:t>1. v0.1-DQN model.html</a:t>
+            </a:r>
+            <a:endParaRPr lang="en-US" altLang="ko-KR" sz="1600">
+              <a:solidFill>
+                <a:schemeClr val="tx1">
+                  <a:lumMod val="65000"/>
+                  <a:lumOff val="35000"/>
+                </a:schemeClr>
+              </a:solidFill>
+              <a:latin typeface="경기천년제목 Light" panose="02020403020101020101" pitchFamily="18" charset="-127"/>
+              <a:ea typeface="경기천년제목 Light" panose="02020403020101020101" pitchFamily="18" charset="-127"/>
+              <a:sym typeface="Wingdings 2" panose="05020102010507070707" pitchFamily="18" charset="2"/>
+            </a:endParaRPr>
+          </a:p>
+          <a:p>
+            <a:pPr>
+              <a:spcBef>
+                <a:spcPts val="200"/>
+              </a:spcBef>
+              <a:spcAft>
+                <a:spcPts val="200"/>
+              </a:spcAft>
+            </a:pPr>
+            <a:r>
+              <a:rPr lang="en-US" altLang="ko-KR" sz="1600">
+                <a:solidFill>
+                  <a:schemeClr val="tx1">
+                    <a:lumMod val="65000"/>
+                    <a:lumOff val="35000"/>
+                  </a:schemeClr>
+                </a:solidFill>
+                <a:latin typeface="경기천년제목 Light" panose="02020403020101020101" pitchFamily="18" charset="-127"/>
+                <a:ea typeface="경기천년제목 Light" panose="02020403020101020101" pitchFamily="18" charset="-127"/>
+                <a:sym typeface="Wingdings 2" panose="05020102010507070707" pitchFamily="18" charset="2"/>
+              </a:rPr>
+              <a:t>       - </a:t>
+            </a:r>
+            <a:r>
+              <a:rPr lang="ko-KR" altLang="en-US" sz="1600">
+                <a:solidFill>
+                  <a:schemeClr val="tx1">
+                    <a:lumMod val="65000"/>
+                    <a:lumOff val="35000"/>
+                  </a:schemeClr>
+                </a:solidFill>
+                <a:latin typeface="경기천년제목 Light" panose="02020403020101020101" pitchFamily="18" charset="-127"/>
+                <a:ea typeface="경기천년제목 Light" panose="02020403020101020101" pitchFamily="18" charset="-127"/>
+                <a:sym typeface="Wingdings 2" panose="05020102010507070707" pitchFamily="18" charset="2"/>
+              </a:rPr>
+              <a:t>실행 영상</a:t>
+            </a:r>
+            <a:r>
+              <a:rPr lang="en-US" altLang="ko-KR" sz="1600">
+                <a:solidFill>
+                  <a:schemeClr val="tx1">
+                    <a:lumMod val="65000"/>
+                    <a:lumOff val="35000"/>
+                  </a:schemeClr>
+                </a:solidFill>
+                <a:latin typeface="경기천년제목 Light" panose="02020403020101020101" pitchFamily="18" charset="-127"/>
+                <a:ea typeface="경기천년제목 Light" panose="02020403020101020101" pitchFamily="18" charset="-127"/>
+                <a:sym typeface="Wingdings 2" panose="05020102010507070707" pitchFamily="18" charset="2"/>
+              </a:rPr>
+              <a:t>: </a:t>
+            </a:r>
+            <a:r>
+              <a:rPr lang="en-US" altLang="ko-KR" sz="1600" b="0" i="0" u="none" strike="noStrike">
+                <a:effectLst/>
+                <a:latin typeface="경기천년제목 Light" panose="02020403020101020101" pitchFamily="18" charset="-127"/>
+                <a:ea typeface="경기천년제목 Light" panose="02020403020101020101" pitchFamily="18" charset="-127"/>
+                <a:hlinkClick r:id="rId3" tooltip="1. v0.1-DQN model.mp4"/>
+              </a:rPr>
+              <a:t>1. v0.1-DQN model.mp4</a:t>
+            </a:r>
+            <a:endParaRPr lang="en-US" altLang="ko-KR" sz="1600">
+              <a:solidFill>
+                <a:schemeClr val="tx1">
+                  <a:lumMod val="65000"/>
+                  <a:lumOff val="35000"/>
+                </a:schemeClr>
+              </a:solidFill>
+              <a:latin typeface="경기천년제목 Light" panose="02020403020101020101" pitchFamily="18" charset="-127"/>
+              <a:ea typeface="경기천년제목 Light" panose="02020403020101020101" pitchFamily="18" charset="-127"/>
+              <a:sym typeface="Wingdings 2" panose="05020102010507070707" pitchFamily="18" charset="2"/>
+            </a:endParaRPr>
+          </a:p>
         </p:txBody>
       </p:sp>
       <p:pic>
@@ -21168,14 +21806,14 @@
           <p:nvPr/>
         </p:nvPicPr>
         <p:blipFill>
-          <a:blip r:embed="rId2"/>
+          <a:blip r:embed="rId4"/>
           <a:stretch>
             <a:fillRect/>
           </a:stretch>
         </p:blipFill>
         <p:spPr>
           <a:xfrm>
-            <a:off x="1465019" y="3230116"/>
+            <a:off x="1465019" y="3607621"/>
             <a:ext cx="4048706" cy="2778737"/>
           </a:xfrm>
           <a:prstGeom prst="rect">
@@ -21198,14 +21836,14 @@
           <p:nvPr/>
         </p:nvPicPr>
         <p:blipFill>
-          <a:blip r:embed="rId3"/>
+          <a:blip r:embed="rId5"/>
           <a:stretch>
             <a:fillRect/>
           </a:stretch>
         </p:blipFill>
         <p:spPr>
           <a:xfrm>
-            <a:off x="6678275" y="3230116"/>
+            <a:off x="6678275" y="3607621"/>
             <a:ext cx="4048706" cy="2762515"/>
           </a:xfrm>
           <a:prstGeom prst="rect">
@@ -22170,7 +22808,7 @@
         <p:spPr>
           <a:xfrm>
             <a:off x="598179" y="1020288"/>
-            <a:ext cx="10995642" cy="2221121"/>
+            <a:ext cx="10995642" cy="2816156"/>
           </a:xfrm>
           <a:prstGeom prst="rect">
             <a:avLst/>
@@ -22615,6 +23253,150 @@
               <a:sym typeface="Wingdings 2" panose="05020102010507070707" pitchFamily="18" charset="2"/>
             </a:endParaRPr>
           </a:p>
+          <a:p>
+            <a:pPr>
+              <a:spcBef>
+                <a:spcPts val="200"/>
+              </a:spcBef>
+              <a:spcAft>
+                <a:spcPts val="200"/>
+              </a:spcAft>
+            </a:pPr>
+            <a:r>
+              <a:rPr lang="en-US" altLang="ko-KR" sz="1600">
+                <a:solidFill>
+                  <a:schemeClr val="tx1">
+                    <a:lumMod val="65000"/>
+                    <a:lumOff val="35000"/>
+                  </a:schemeClr>
+                </a:solidFill>
+                <a:latin typeface="경기천년제목 Light" panose="02020403020101020101" pitchFamily="18" charset="-127"/>
+                <a:ea typeface="경기천년제목 Light" panose="02020403020101020101" pitchFamily="18" charset="-127"/>
+                <a:sym typeface="Wingdings 2" panose="05020102010507070707" pitchFamily="18" charset="2"/>
+              </a:rPr>
+              <a:t>       - </a:t>
+            </a:r>
+            <a:r>
+              <a:rPr lang="ko-KR" altLang="en-US" sz="1600">
+                <a:solidFill>
+                  <a:schemeClr val="tx1">
+                    <a:lumMod val="65000"/>
+                    <a:lumOff val="35000"/>
+                  </a:schemeClr>
+                </a:solidFill>
+                <a:latin typeface="경기천년제목 Light" panose="02020403020101020101" pitchFamily="18" charset="-127"/>
+                <a:ea typeface="경기천년제목 Light" panose="02020403020101020101" pitchFamily="18" charset="-127"/>
+                <a:sym typeface="Wingdings 2" panose="05020102010507070707" pitchFamily="18" charset="2"/>
+              </a:rPr>
+              <a:t>구현 코드</a:t>
+            </a:r>
+            <a:r>
+              <a:rPr lang="en-US" altLang="ko-KR" sz="1600">
+                <a:solidFill>
+                  <a:schemeClr val="tx1">
+                    <a:lumMod val="65000"/>
+                    <a:lumOff val="35000"/>
+                  </a:schemeClr>
+                </a:solidFill>
+                <a:latin typeface="경기천년제목 Light" panose="02020403020101020101" pitchFamily="18" charset="-127"/>
+                <a:ea typeface="경기천년제목 Light" panose="02020403020101020101" pitchFamily="18" charset="-127"/>
+                <a:sym typeface="Wingdings 2" panose="05020102010507070707" pitchFamily="18" charset="2"/>
+              </a:rPr>
+              <a:t>: </a:t>
+            </a:r>
+            <a:r>
+              <a:rPr lang="en-US" altLang="ko-KR" sz="1600" b="0" i="0" u="none" strike="noStrike">
+                <a:effectLst/>
+                <a:latin typeface="경기천년제목 Light" panose="02020403020101020101" pitchFamily="18" charset="-127"/>
+                <a:ea typeface="경기천년제목 Light" panose="02020403020101020101" pitchFamily="18" charset="-127"/>
+                <a:hlinkClick r:id="rId2" tooltip="2. existingDQN model.html"/>
+              </a:rPr>
+              <a:t>2. existingDQN model.html</a:t>
+            </a:r>
+            <a:endParaRPr lang="en-US" altLang="ko-KR" sz="1600">
+              <a:solidFill>
+                <a:schemeClr val="tx1">
+                  <a:lumMod val="65000"/>
+                  <a:lumOff val="35000"/>
+                </a:schemeClr>
+              </a:solidFill>
+              <a:latin typeface="경기천년제목 Light" panose="02020403020101020101" pitchFamily="18" charset="-127"/>
+              <a:ea typeface="경기천년제목 Light" panose="02020403020101020101" pitchFamily="18" charset="-127"/>
+              <a:sym typeface="Wingdings 2" panose="05020102010507070707" pitchFamily="18" charset="2"/>
+            </a:endParaRPr>
+          </a:p>
+          <a:p>
+            <a:pPr>
+              <a:spcBef>
+                <a:spcPts val="200"/>
+              </a:spcBef>
+              <a:spcAft>
+                <a:spcPts val="200"/>
+              </a:spcAft>
+            </a:pPr>
+            <a:r>
+              <a:rPr lang="en-US" altLang="ko-KR" sz="1600">
+                <a:solidFill>
+                  <a:schemeClr val="tx1">
+                    <a:lumMod val="65000"/>
+                    <a:lumOff val="35000"/>
+                  </a:schemeClr>
+                </a:solidFill>
+                <a:latin typeface="경기천년제목 Light" panose="02020403020101020101" pitchFamily="18" charset="-127"/>
+                <a:ea typeface="경기천년제목 Light" panose="02020403020101020101" pitchFamily="18" charset="-127"/>
+                <a:sym typeface="Wingdings 2" panose="05020102010507070707" pitchFamily="18" charset="2"/>
+              </a:rPr>
+              <a:t>       - </a:t>
+            </a:r>
+            <a:r>
+              <a:rPr lang="ko-KR" altLang="en-US" sz="1600">
+                <a:solidFill>
+                  <a:schemeClr val="tx1">
+                    <a:lumMod val="65000"/>
+                    <a:lumOff val="35000"/>
+                  </a:schemeClr>
+                </a:solidFill>
+                <a:latin typeface="경기천년제목 Light" panose="02020403020101020101" pitchFamily="18" charset="-127"/>
+                <a:ea typeface="경기천년제목 Light" panose="02020403020101020101" pitchFamily="18" charset="-127"/>
+                <a:sym typeface="Wingdings 2" panose="05020102010507070707" pitchFamily="18" charset="2"/>
+              </a:rPr>
+              <a:t>실행 영상</a:t>
+            </a:r>
+            <a:r>
+              <a:rPr lang="en-US" altLang="ko-KR" sz="1600">
+                <a:solidFill>
+                  <a:schemeClr val="tx1">
+                    <a:lumMod val="65000"/>
+                    <a:lumOff val="35000"/>
+                  </a:schemeClr>
+                </a:solidFill>
+                <a:latin typeface="경기천년제목 Light" panose="02020403020101020101" pitchFamily="18" charset="-127"/>
+                <a:ea typeface="경기천년제목 Light" panose="02020403020101020101" pitchFamily="18" charset="-127"/>
+                <a:sym typeface="Wingdings 2" panose="05020102010507070707" pitchFamily="18" charset="2"/>
+              </a:rPr>
+              <a:t>: </a:t>
+            </a:r>
+            <a:r>
+              <a:rPr lang="en-US" altLang="ko-KR" sz="1600" b="0" i="0" u="none" strike="noStrike">
+                <a:effectLst/>
+                <a:latin typeface="경기천년제목 Light" panose="02020403020101020101" pitchFamily="18" charset="-127"/>
+                <a:ea typeface="경기천년제목 Light" panose="02020403020101020101" pitchFamily="18" charset="-127"/>
+                <a:hlinkClick r:id="rId3" tooltip="2. existingDQN model.mp4"/>
+              </a:rPr>
+              <a:t>2. existingDQN model.mp4</a:t>
+            </a:r>
+            <a:endParaRPr lang="en-US" altLang="ko-KR" sz="1600">
+              <a:solidFill>
+                <a:schemeClr val="tx1">
+                  <a:lumMod val="65000"/>
+                  <a:lumOff val="35000"/>
+                </a:schemeClr>
+              </a:solidFill>
+              <a:latin typeface="경기천년제목 Light" panose="02020403020101020101" pitchFamily="18" charset="-127"/>
+              <a:ea typeface="경기천년제목 Light" panose="02020403020101020101" pitchFamily="18" charset="-127"/>
+              <a:sym typeface="Wingdings 2" panose="05020102010507070707" pitchFamily="18" charset="2"/>
+            </a:endParaRPr>
+          </a:p>
         </p:txBody>
       </p:sp>
       <p:pic>
@@ -22632,14 +23414,14 @@
           <p:nvPr/>
         </p:nvPicPr>
         <p:blipFill>
-          <a:blip r:embed="rId2"/>
+          <a:blip r:embed="rId4"/>
           <a:stretch>
             <a:fillRect/>
           </a:stretch>
         </p:blipFill>
         <p:spPr>
           <a:xfrm>
-            <a:off x="1108302" y="3474041"/>
+            <a:off x="1108302" y="3833269"/>
             <a:ext cx="4067855" cy="2786202"/>
           </a:xfrm>
           <a:prstGeom prst="rect">
@@ -22662,14 +23444,14 @@
           <p:nvPr/>
         </p:nvPicPr>
         <p:blipFill>
-          <a:blip r:embed="rId3"/>
+          <a:blip r:embed="rId5"/>
           <a:stretch>
             <a:fillRect/>
           </a:stretch>
         </p:blipFill>
         <p:spPr>
           <a:xfrm>
-            <a:off x="6372181" y="3566372"/>
+            <a:off x="6372181" y="3925600"/>
             <a:ext cx="4067854" cy="2693871"/>
           </a:xfrm>
           <a:prstGeom prst="rect">

--- a/v1.0-202140090-홍기현-기말 프로젝트.pptx
+++ b/v1.0-202140090-홍기현-기말 프로젝트.pptx
@@ -269,7 +269,7 @@
           <a:p>
             <a:fld id="{82B5AC5D-48E5-4846-B6E0-71180DD803F1}" type="datetimeFigureOut">
               <a:rPr lang="ko-KR" altLang="en-US" smtClean="0"/>
-              <a:t>2021-06-02</a:t>
+              <a:t>2021-06-03</a:t>
             </a:fld>
             <a:endParaRPr lang="ko-KR" altLang="en-US"/>
           </a:p>
@@ -683,7 +683,7 @@
           <a:p>
             <a:fld id="{76FC1CBD-939D-4C85-82EC-E8BD546A9838}" type="datetime1">
               <a:rPr lang="ko-KR" altLang="en-US" smtClean="0"/>
-              <a:t>2021-06-02</a:t>
+              <a:t>2021-06-03</a:t>
             </a:fld>
             <a:endParaRPr lang="ko-KR" altLang="en-US"/>
           </a:p>
@@ -1057,7 +1057,7 @@
           <a:p>
             <a:fld id="{C7CF46F3-039A-4027-8ADC-E876334D82D6}" type="datetime1">
               <a:rPr lang="ko-KR" altLang="en-US" smtClean="0"/>
-              <a:t>2021-06-02</a:t>
+              <a:t>2021-06-03</a:t>
             </a:fld>
             <a:endParaRPr lang="ko-KR" altLang="en-US"/>
           </a:p>
@@ -1265,7 +1265,7 @@
           <a:p>
             <a:fld id="{344F9571-86A5-4DB3-9E8D-0389BC317874}" type="datetime1">
               <a:rPr lang="ko-KR" altLang="en-US" smtClean="0"/>
-              <a:t>2021-06-02</a:t>
+              <a:t>2021-06-03</a:t>
             </a:fld>
             <a:endParaRPr lang="ko-KR" altLang="en-US"/>
           </a:p>
@@ -1481,7 +1481,7 @@
           <a:p>
             <a:fld id="{0510BA8F-7791-4AE3-846C-BB7A6A7CFC97}" type="datetime1">
               <a:rPr lang="ko-KR" altLang="en-US" smtClean="0"/>
-              <a:t>2021-06-02</a:t>
+              <a:t>2021-06-03</a:t>
             </a:fld>
             <a:endParaRPr lang="ko-KR" altLang="en-US"/>
           </a:p>
@@ -1834,7 +1834,7 @@
           <a:p>
             <a:fld id="{19AF01D8-1017-4307-B2F9-6F016649E71E}" type="datetime1">
               <a:rPr lang="ko-KR" altLang="en-US" smtClean="0"/>
-              <a:t>2021-06-02</a:t>
+              <a:t>2021-06-03</a:t>
             </a:fld>
             <a:endParaRPr lang="ko-KR" altLang="en-US"/>
           </a:p>
@@ -2099,7 +2099,7 @@
           <a:p>
             <a:fld id="{8EEE3E33-9027-4F17-A93F-877E7C70E91F}" type="datetime1">
               <a:rPr lang="ko-KR" altLang="en-US" smtClean="0"/>
-              <a:t>2021-06-02</a:t>
+              <a:t>2021-06-03</a:t>
             </a:fld>
             <a:endParaRPr lang="ko-KR" altLang="en-US"/>
           </a:p>
@@ -2511,7 +2511,7 @@
           <a:p>
             <a:fld id="{1C0EF971-C917-450F-A986-E5976B3D5356}" type="datetime1">
               <a:rPr lang="ko-KR" altLang="en-US" smtClean="0"/>
-              <a:t>2021-06-02</a:t>
+              <a:t>2021-06-03</a:t>
             </a:fld>
             <a:endParaRPr lang="ko-KR" altLang="en-US"/>
           </a:p>
@@ -2624,7 +2624,7 @@
           <a:p>
             <a:fld id="{CB4B4B12-603C-43A6-9EF9-8AC2C3B10188}" type="datetime1">
               <a:rPr lang="ko-KR" altLang="en-US" smtClean="0"/>
-              <a:t>2021-06-02</a:t>
+              <a:t>2021-06-03</a:t>
             </a:fld>
             <a:endParaRPr lang="ko-KR" altLang="en-US"/>
           </a:p>
@@ -3019,7 +3019,7 @@
           <a:p>
             <a:fld id="{9DAC53E9-1AB1-47B3-A5A7-C5A4DAD9D297}" type="datetime1">
               <a:rPr lang="ko-KR" altLang="en-US" smtClean="0"/>
-              <a:t>2021-06-02</a:t>
+              <a:t>2021-06-03</a:t>
             </a:fld>
             <a:endParaRPr lang="ko-KR" altLang="en-US"/>
           </a:p>
@@ -3330,7 +3330,7 @@
           <a:p>
             <a:fld id="{EB058E1F-969D-4ADD-88F8-3FFB5FB5A1C5}" type="datetime1">
               <a:rPr lang="ko-KR" altLang="en-US" smtClean="0"/>
-              <a:t>2021-06-02</a:t>
+              <a:t>2021-06-03</a:t>
             </a:fld>
             <a:endParaRPr lang="ko-KR" altLang="en-US"/>
           </a:p>
@@ -3618,7 +3618,7 @@
           <a:p>
             <a:fld id="{F1A887A9-46E9-496B-8766-83B8C1E940E3}" type="datetime1">
               <a:rPr lang="ko-KR" altLang="en-US" smtClean="0"/>
-              <a:t>2021-06-02</a:t>
+              <a:t>2021-06-03</a:t>
             </a:fld>
             <a:endParaRPr lang="ko-KR" altLang="en-US"/>
           </a:p>
@@ -3859,7 +3859,7 @@
           <a:p>
             <a:fld id="{DB272F0E-A27F-4121-90FF-7149369A7818}" type="datetime1">
               <a:rPr lang="ko-KR" altLang="en-US" smtClean="0"/>
-              <a:t>2021-06-02</a:t>
+              <a:t>2021-06-03</a:t>
             </a:fld>
             <a:endParaRPr lang="ko-KR" altLang="en-US"/>
           </a:p>
@@ -15925,35 +15925,7 @@
                 <a:ea typeface="경기천년제목 Bold" panose="02020803020101020101" pitchFamily="18" charset="-127"/>
                 <a:sym typeface="Wingdings 2" panose="05020102010507070707" pitchFamily="18" charset="2"/>
               </a:rPr>
-              <a:t>  제안한</a:t>
-            </a:r>
-            <a:r>
-              <a:rPr lang="en-US" altLang="ko-KR" sz="2600">
-                <a:solidFill>
-                  <a:schemeClr val="tx1">
-                    <a:lumMod val="65000"/>
-                    <a:lumOff val="35000"/>
-                  </a:schemeClr>
-                </a:solidFill>
-                <a:latin typeface="경기천년제목 Bold" panose="02020803020101020101" pitchFamily="18" charset="-127"/>
-                <a:ea typeface="경기천년제목 Bold" panose="02020803020101020101" pitchFamily="18" charset="-127"/>
-                <a:sym typeface="Wingdings 2" panose="05020102010507070707" pitchFamily="18" charset="2"/>
-              </a:rPr>
-              <a:t> </a:t>
-            </a:r>
-            <a:r>
-              <a:rPr lang="ko-KR" altLang="en-US" sz="2600">
-                <a:solidFill>
-                  <a:schemeClr val="tx1">
-                    <a:lumMod val="65000"/>
-                    <a:lumOff val="35000"/>
-                  </a:schemeClr>
-                </a:solidFill>
-                <a:latin typeface="경기천년제목 Bold" panose="02020803020101020101" pitchFamily="18" charset="-127"/>
-                <a:ea typeface="경기천년제목 Bold" panose="02020803020101020101" pitchFamily="18" charset="-127"/>
-                <a:sym typeface="Wingdings 2" panose="05020102010507070707" pitchFamily="18" charset="2"/>
-              </a:rPr>
-              <a:t>학습과 행동 분산 </a:t>
+              <a:t>  학습과 행동을 분리한 개선된 </a:t>
             </a:r>
             <a:r>
               <a:rPr lang="en-US" altLang="ko-KR" sz="2600">
